--- a/slide/0203_COVID-19_MedSharing.pptx
+++ b/slide/0203_COVID-19_MedSharing.pptx
@@ -9462,11 +9462,18 @@
               <a:t>厚労省の最新</a:t>
             </a:r>
             <a:r>
+              <a:rPr lang="en-US" altLang="ja-JP">
+                <a:latin typeface="メイリオ" panose="020B0604030504040204" pitchFamily="50" charset="-128"/>
+                <a:ea typeface="メイリオ" panose="020B0604030504040204" pitchFamily="50" charset="-128"/>
+              </a:rPr>
+              <a:t>(2021-02-03</a:t>
+            </a:r>
+            <a:r>
               <a:rPr lang="en-US" altLang="ja-JP" dirty="0">
                 <a:latin typeface="メイリオ" panose="020B0604030504040204" pitchFamily="50" charset="-128"/>
                 <a:ea typeface="メイリオ" panose="020B0604030504040204" pitchFamily="50" charset="-128"/>
               </a:rPr>
-              <a:t>(2021-02-23)</a:t>
+              <a:t>)</a:t>
             </a:r>
             <a:r>
               <a:rPr lang="ja-JP" altLang="en-US">
